--- a/20190717Intro_Miao.pptx
+++ b/20190717Intro_Miao.pptx
@@ -3735,7 +3735,13 @@
             </a:r>
             <a:r>
               <a:rPr lang="en" sz="2800" dirty="0"/>
-              <a:t>comfortable to share, ask questions, learn, develop skills, and grow as students. Most importantly, </a:t>
+              <a:t>comfortable to share, ask questions, learn, develop skills, and grow as students. </a:t>
+            </a:r>
+          </a:p>
+          <a:p>
+            <a:r>
+              <a:rPr lang="en" sz="2800" dirty="0"/>
+              <a:t>Most importantly, </a:t>
             </a:r>
             <a:r>
               <a:rPr lang="en" sz="2800" b="1" dirty="0">
@@ -3873,6 +3879,38 @@
               <a:rPr lang="en-US" sz="2800" dirty="0"/>
               <a:t>Taking care of ourselves</a:t>
             </a:r>
+          </a:p>
+        </p:txBody>
+      </p:sp>
+      <p:sp>
+        <p:nvSpPr>
+          <p:cNvPr id="4" name="TextBox 3"/>
+          <p:cNvSpPr txBox="1"/>
+          <p:nvPr/>
+        </p:nvSpPr>
+        <p:spPr>
+          <a:xfrm>
+            <a:off x="3232727" y="5492965"/>
+            <a:ext cx="5347854" cy="523220"/>
+          </a:xfrm>
+          <a:prstGeom prst="rect">
+            <a:avLst/>
+          </a:prstGeom>
+          <a:noFill/>
+        </p:spPr>
+        <p:txBody>
+          <a:bodyPr wrap="square" rtlCol="0">
+            <a:spAutoFit/>
+          </a:bodyPr>
+          <a:lstStyle/>
+          <a:p>
+            <a:r>
+              <a:rPr lang="en-US" sz="2800" dirty="0">
+                <a:hlinkClick r:id="rId2"/>
+              </a:rPr>
+              <a:t>https://github.com/caimiao0714</a:t>
+            </a:r>
+            <a:endParaRPr lang="en-US" sz="2800" dirty="0"/>
           </a:p>
         </p:txBody>
       </p:sp>
